--- a/WebKitChromiumContributionProcess.pptx
+++ b/WebKitChromiumContributionProcess.pptx
@@ -209,7 +209,7 @@
           <a:bodyPr lIns="0" rIns="0" tIns="0" bIns="0" anchor="b"/>
           <a:p>
             <a:pPr algn="r"/>
-            <a:fld id="{A9819747-00FB-4916-A8AF-48962DE1655C}" type="slidenum">
+            <a:fld id="{2F66D835-46ED-48CB-B8D1-ABA248140606}" type="slidenum">
               <a:rPr lang="en-US" sz="1400">
                 <a:latin typeface="Times New Roman"/>
               </a:rPr>
@@ -244,7 +244,7 @@
       </p:grpSpPr>
       <p:sp>
         <p:nvSpPr>
-          <p:cNvPr id="170" name="PlaceHolder 1"/>
+          <p:cNvPr id="171" name="PlaceHolder 1"/>
           <p:cNvSpPr>
             <a:spLocks noGrp="1"/>
           </p:cNvSpPr>
@@ -255,7 +255,7 @@
         <p:spPr>
           <a:xfrm>
             <a:off x="685800" y="4343400"/>
-            <a:ext cx="5485680" cy="4114080"/>
+            <a:ext cx="5485320" cy="4113720"/>
           </a:xfrm>
           <a:prstGeom prst="rect">
             <a:avLst/>
@@ -270,14 +270,14 @@
       </p:sp>
       <p:sp>
         <p:nvSpPr>
-          <p:cNvPr id="171" name="CustomShape 2"/>
+          <p:cNvPr id="172" name="CustomShape 2"/>
           <p:cNvSpPr/>
           <p:nvPr/>
         </p:nvSpPr>
         <p:spPr>
           <a:xfrm>
             <a:off x="3884760" y="8685360"/>
-            <a:ext cx="2971080" cy="456480"/>
+            <a:ext cx="2970720" cy="456120"/>
           </a:xfrm>
           <a:prstGeom prst="rect">
             <a:avLst/>
@@ -295,7 +295,7 @@
                 <a:spcPct val="100000"/>
               </a:lnSpc>
             </a:pPr>
-            <a:fld id="{F52DA3C8-C049-4E1D-9933-8D19EBE8B6B4}" type="slidenum">
+            <a:fld id="{E4A88ADE-E7DC-491E-B7A5-EDEEE61774A3}" type="slidenum">
               <a:rPr lang="en-US" sz="1200">
                 <a:solidFill>
                   <a:srgbClr val="000000"/>
@@ -333,7 +333,7 @@
       </p:grpSpPr>
       <p:sp>
         <p:nvSpPr>
-          <p:cNvPr id="172" name="PlaceHolder 1"/>
+          <p:cNvPr id="173" name="PlaceHolder 1"/>
           <p:cNvSpPr>
             <a:spLocks noGrp="1"/>
           </p:cNvSpPr>
@@ -344,7 +344,7 @@
         <p:spPr>
           <a:xfrm>
             <a:off x="685800" y="4343400"/>
-            <a:ext cx="5485680" cy="4114080"/>
+            <a:ext cx="5485320" cy="4113720"/>
           </a:xfrm>
           <a:prstGeom prst="rect">
             <a:avLst/>
@@ -359,14 +359,14 @@
       </p:sp>
       <p:sp>
         <p:nvSpPr>
-          <p:cNvPr id="173" name="CustomShape 2"/>
+          <p:cNvPr id="174" name="CustomShape 2"/>
           <p:cNvSpPr/>
           <p:nvPr/>
         </p:nvSpPr>
         <p:spPr>
           <a:xfrm>
             <a:off x="3884760" y="8685360"/>
-            <a:ext cx="2971080" cy="456480"/>
+            <a:ext cx="2970720" cy="456120"/>
           </a:xfrm>
           <a:prstGeom prst="rect">
             <a:avLst/>
@@ -384,7 +384,7 @@
                 <a:spcPct val="100000"/>
               </a:lnSpc>
             </a:pPr>
-            <a:fld id="{7B3DC8C3-94D4-43C5-98CA-18FBDE77E9C2}" type="slidenum">
+            <a:fld id="{476382BB-92FE-4F91-9066-7693DC14B257}" type="slidenum">
               <a:rPr lang="en-US" sz="1200">
                 <a:solidFill>
                   <a:srgbClr val="000000"/>
@@ -2758,7 +2758,7 @@
         <p:spPr>
           <a:xfrm>
             <a:off x="720" y="0"/>
-            <a:ext cx="9141840" cy="6857280"/>
+            <a:ext cx="9141480" cy="6856920"/>
           </a:xfrm>
           <a:prstGeom prst="rect">
             <a:avLst/>
@@ -3019,7 +3019,7 @@
         <p:spPr>
           <a:xfrm>
             <a:off x="6958080" y="6352200"/>
-            <a:ext cx="1928160" cy="250200"/>
+            <a:ext cx="1927800" cy="249840"/>
           </a:xfrm>
           <a:prstGeom prst="rect">
             <a:avLst/>
@@ -3037,7 +3037,7 @@
                 <a:spcPct val="100000"/>
               </a:lnSpc>
             </a:pPr>
-            <a:fld id="{642DEAC4-7BA5-473F-A4EE-F6ACD5FC5249}" type="slidenum">
+            <a:fld id="{A5DC191A-2491-426A-9ECF-3E6EEC7D7257}" type="slidenum">
               <a:rPr lang="en-US" sz="850">
                 <a:solidFill>
                   <a:srgbClr val="262626"/>
@@ -3076,7 +3076,7 @@
         <p:spPr>
           <a:xfrm>
             <a:off x="457200" y="6387480"/>
-            <a:ext cx="1305720" cy="179640"/>
+            <a:ext cx="1305360" cy="179280"/>
           </a:xfrm>
           <a:prstGeom prst="rect">
             <a:avLst/>
@@ -3286,7 +3286,7 @@
         <p:spPr>
           <a:xfrm>
             <a:off x="457200" y="1332360"/>
-            <a:ext cx="8228880" cy="1593360"/>
+            <a:ext cx="8228520" cy="1593000"/>
           </a:xfrm>
           <a:prstGeom prst="rect">
             <a:avLst/>
@@ -3327,7 +3327,7 @@
         <p:spPr>
           <a:xfrm>
             <a:off x="539640" y="3008880"/>
-            <a:ext cx="4944600" cy="923400"/>
+            <a:ext cx="4944240" cy="923040"/>
           </a:xfrm>
           <a:prstGeom prst="rect">
             <a:avLst/>
@@ -3431,14 +3431,14 @@
       </p:grpSpPr>
       <p:sp>
         <p:nvSpPr>
-          <p:cNvPr id="107" name="CustomShape 1"/>
+          <p:cNvPr id="108" name="CustomShape 1"/>
           <p:cNvSpPr/>
           <p:nvPr/>
         </p:nvSpPr>
         <p:spPr>
           <a:xfrm>
             <a:off x="457200" y="188640"/>
-            <a:ext cx="8228880" cy="647280"/>
+            <a:ext cx="8228520" cy="646920"/>
           </a:xfrm>
           <a:prstGeom prst="rect">
             <a:avLst/>
@@ -3492,14 +3492,14 @@
       </p:sp>
       <p:sp>
         <p:nvSpPr>
-          <p:cNvPr id="108" name="CustomShape 2"/>
+          <p:cNvPr id="109" name="CustomShape 2"/>
           <p:cNvSpPr/>
           <p:nvPr/>
         </p:nvSpPr>
         <p:spPr>
           <a:xfrm>
             <a:off x="467640" y="1052640"/>
-            <a:ext cx="8208360" cy="5112000"/>
+            <a:ext cx="8208000" cy="5111640"/>
           </a:xfrm>
           <a:prstGeom prst="rect">
             <a:avLst/>
@@ -3563,7 +3563,7 @@
       </p:sp>
       <p:pic>
         <p:nvPicPr>
-          <p:cNvPr id="109" name="그림 4" descr=""/>
+          <p:cNvPr id="110" name="그림 4" descr=""/>
           <p:cNvPicPr/>
           <p:nvPr/>
         </p:nvPicPr>
@@ -3576,7 +3576,7 @@
         <p:spPr>
           <a:xfrm>
             <a:off x="1000080" y="2133000"/>
-            <a:ext cx="7286040" cy="3845160"/>
+            <a:ext cx="7285680" cy="3844800"/>
           </a:xfrm>
           <a:prstGeom prst="rect">
             <a:avLst/>
@@ -3640,14 +3640,14 @@
       </p:grpSpPr>
       <p:sp>
         <p:nvSpPr>
-          <p:cNvPr id="110" name="CustomShape 1"/>
+          <p:cNvPr id="111" name="CustomShape 1"/>
           <p:cNvSpPr/>
           <p:nvPr/>
         </p:nvSpPr>
         <p:spPr>
           <a:xfrm>
             <a:off x="457200" y="188640"/>
-            <a:ext cx="8228880" cy="647280"/>
+            <a:ext cx="8228520" cy="646920"/>
           </a:xfrm>
           <a:prstGeom prst="rect">
             <a:avLst/>
@@ -3701,14 +3701,14 @@
       </p:sp>
       <p:sp>
         <p:nvSpPr>
-          <p:cNvPr id="111" name="CustomShape 2"/>
+          <p:cNvPr id="112" name="CustomShape 2"/>
           <p:cNvSpPr/>
           <p:nvPr/>
         </p:nvSpPr>
         <p:spPr>
           <a:xfrm>
             <a:off x="467640" y="1052640"/>
-            <a:ext cx="8208360" cy="5112000"/>
+            <a:ext cx="8208000" cy="5111640"/>
           </a:xfrm>
           <a:prstGeom prst="rect">
             <a:avLst/>
@@ -3762,7 +3762,7 @@
       </p:sp>
       <p:pic>
         <p:nvPicPr>
-          <p:cNvPr id="112" name="내용 개체 틀 6" descr=""/>
+          <p:cNvPr id="113" name="내용 개체 틀 6" descr=""/>
           <p:cNvPicPr/>
           <p:nvPr/>
         </p:nvPicPr>
@@ -3775,7 +3775,7 @@
         <p:spPr>
           <a:xfrm>
             <a:off x="611640" y="1914840"/>
-            <a:ext cx="8228880" cy="3961800"/>
+            <a:ext cx="8228520" cy="3961440"/>
           </a:xfrm>
           <a:prstGeom prst="rect">
             <a:avLst/>
@@ -3787,14 +3787,14 @@
       </p:pic>
       <p:sp>
         <p:nvSpPr>
-          <p:cNvPr id="113" name="CustomShape 3"/>
+          <p:cNvPr id="114" name="CustomShape 3"/>
           <p:cNvSpPr/>
           <p:nvPr/>
         </p:nvSpPr>
         <p:spPr>
           <a:xfrm>
             <a:off x="1324440" y="3932640"/>
-            <a:ext cx="1014840" cy="428040"/>
+            <a:ext cx="1014480" cy="427680"/>
           </a:xfrm>
           <a:prstGeom prst="rect">
             <a:avLst/>
@@ -3810,14 +3810,14 @@
       </p:sp>
       <p:sp>
         <p:nvSpPr>
-          <p:cNvPr id="114" name="CustomShape 4"/>
+          <p:cNvPr id="115" name="CustomShape 4"/>
           <p:cNvSpPr/>
           <p:nvPr/>
         </p:nvSpPr>
         <p:spPr>
           <a:xfrm>
             <a:off x="2627640" y="4236840"/>
-            <a:ext cx="1852920" cy="705960"/>
+            <a:ext cx="1852560" cy="705600"/>
           </a:xfrm>
           <a:prstGeom prst="wedgeRoundRectCallout">
             <a:avLst>
@@ -3959,14 +3959,14 @@
       </p:sp>
       <p:sp>
         <p:nvSpPr>
-          <p:cNvPr id="115" name="CustomShape 5"/>
+          <p:cNvPr id="116" name="CustomShape 5"/>
           <p:cNvSpPr/>
           <p:nvPr/>
         </p:nvSpPr>
         <p:spPr>
           <a:xfrm>
             <a:off x="1358640" y="2896920"/>
-            <a:ext cx="3571560" cy="204480"/>
+            <a:ext cx="3571200" cy="204120"/>
           </a:xfrm>
           <a:prstGeom prst="rect">
             <a:avLst/>
@@ -3982,14 +3982,14 @@
       </p:sp>
       <p:sp>
         <p:nvSpPr>
-          <p:cNvPr id="116" name="CustomShape 6"/>
+          <p:cNvPr id="117" name="CustomShape 6"/>
           <p:cNvSpPr/>
           <p:nvPr/>
         </p:nvSpPr>
         <p:spPr>
           <a:xfrm>
             <a:off x="5220000" y="2906640"/>
-            <a:ext cx="1999440" cy="302040"/>
+            <a:ext cx="1999080" cy="301680"/>
           </a:xfrm>
           <a:prstGeom prst="wedgeRoundRectCallout">
             <a:avLst>
@@ -4103,14 +4103,14 @@
       </p:grpSpPr>
       <p:sp>
         <p:nvSpPr>
-          <p:cNvPr id="117" name="CustomShape 1"/>
+          <p:cNvPr id="118" name="CustomShape 1"/>
           <p:cNvSpPr/>
           <p:nvPr/>
         </p:nvSpPr>
         <p:spPr>
           <a:xfrm>
             <a:off x="457200" y="188640"/>
-            <a:ext cx="8228880" cy="647280"/>
+            <a:ext cx="8228520" cy="646920"/>
           </a:xfrm>
           <a:prstGeom prst="rect">
             <a:avLst/>
@@ -4164,14 +4164,14 @@
       </p:sp>
       <p:sp>
         <p:nvSpPr>
-          <p:cNvPr id="118" name="CustomShape 2"/>
+          <p:cNvPr id="119" name="CustomShape 2"/>
           <p:cNvSpPr/>
           <p:nvPr/>
         </p:nvSpPr>
         <p:spPr>
           <a:xfrm>
             <a:off x="467640" y="1052640"/>
-            <a:ext cx="8208360" cy="5112000"/>
+            <a:ext cx="8208000" cy="5111640"/>
           </a:xfrm>
           <a:prstGeom prst="rect">
             <a:avLst/>
@@ -4245,7 +4245,7 @@
       </p:sp>
       <p:pic>
         <p:nvPicPr>
-          <p:cNvPr id="119" name="내용 개체 틀 3" descr=""/>
+          <p:cNvPr id="120" name="내용 개체 틀 3" descr=""/>
           <p:cNvPicPr/>
           <p:nvPr/>
         </p:nvPicPr>
@@ -4258,7 +4258,7 @@
         <p:spPr>
           <a:xfrm>
             <a:off x="463320" y="1772640"/>
-            <a:ext cx="8228880" cy="3967920"/>
+            <a:ext cx="8228520" cy="3967560"/>
           </a:xfrm>
           <a:prstGeom prst="rect">
             <a:avLst/>
@@ -4270,14 +4270,14 @@
       </p:pic>
       <p:sp>
         <p:nvSpPr>
-          <p:cNvPr id="120" name="CustomShape 3"/>
+          <p:cNvPr id="121" name="CustomShape 3"/>
           <p:cNvSpPr/>
           <p:nvPr/>
         </p:nvSpPr>
         <p:spPr>
           <a:xfrm>
             <a:off x="1108080" y="4164120"/>
-            <a:ext cx="4141080" cy="219240"/>
+            <a:ext cx="4140720" cy="218880"/>
           </a:xfrm>
           <a:prstGeom prst="rect">
             <a:avLst/>
@@ -4293,14 +4293,14 @@
       </p:sp>
       <p:sp>
         <p:nvSpPr>
-          <p:cNvPr id="121" name="CustomShape 4"/>
+          <p:cNvPr id="122" name="CustomShape 4"/>
           <p:cNvSpPr/>
           <p:nvPr/>
         </p:nvSpPr>
         <p:spPr>
           <a:xfrm>
             <a:off x="488160" y="2806560"/>
-            <a:ext cx="1727640" cy="791280"/>
+            <a:ext cx="1727280" cy="790920"/>
           </a:xfrm>
           <a:prstGeom prst="rect">
             <a:avLst/>
@@ -4316,14 +4316,14 @@
       </p:sp>
       <p:sp>
         <p:nvSpPr>
-          <p:cNvPr id="122" name="CustomShape 5"/>
+          <p:cNvPr id="123" name="CustomShape 5"/>
           <p:cNvSpPr/>
           <p:nvPr/>
         </p:nvSpPr>
         <p:spPr>
           <a:xfrm>
             <a:off x="1115640" y="4409640"/>
-            <a:ext cx="7428960" cy="902520"/>
+            <a:ext cx="7428600" cy="902160"/>
           </a:xfrm>
           <a:prstGeom prst="rect">
             <a:avLst/>
@@ -4339,14 +4339,14 @@
       </p:sp>
       <p:sp>
         <p:nvSpPr>
-          <p:cNvPr id="123" name="CustomShape 6"/>
+          <p:cNvPr id="124" name="CustomShape 6"/>
           <p:cNvSpPr/>
           <p:nvPr/>
         </p:nvSpPr>
         <p:spPr>
           <a:xfrm>
             <a:off x="2392200" y="3169800"/>
-            <a:ext cx="1856520" cy="302040"/>
+            <a:ext cx="1856160" cy="301680"/>
           </a:xfrm>
           <a:prstGeom prst="wedgeRoundRectCallout">
             <a:avLst>
@@ -4408,14 +4408,14 @@
       </p:sp>
       <p:sp>
         <p:nvSpPr>
-          <p:cNvPr id="124" name="CustomShape 7"/>
+          <p:cNvPr id="125" name="CustomShape 7"/>
           <p:cNvSpPr/>
           <p:nvPr/>
         </p:nvSpPr>
         <p:spPr>
           <a:xfrm>
             <a:off x="5436000" y="3588120"/>
-            <a:ext cx="1787760" cy="302040"/>
+            <a:ext cx="1787400" cy="301680"/>
           </a:xfrm>
           <a:prstGeom prst="wedgeRoundRectCallout">
             <a:avLst>
@@ -4477,14 +4477,14 @@
       </p:sp>
       <p:sp>
         <p:nvSpPr>
-          <p:cNvPr id="125" name="CustomShape 8"/>
+          <p:cNvPr id="126" name="CustomShape 8"/>
           <p:cNvSpPr/>
           <p:nvPr/>
         </p:nvSpPr>
         <p:spPr>
           <a:xfrm>
             <a:off x="5796000" y="5589360"/>
-            <a:ext cx="1428120" cy="302040"/>
+            <a:ext cx="1427760" cy="301680"/>
           </a:xfrm>
           <a:prstGeom prst="wedgeRoundRectCallout">
             <a:avLst>
@@ -4598,14 +4598,14 @@
       </p:grpSpPr>
       <p:sp>
         <p:nvSpPr>
-          <p:cNvPr id="126" name="CustomShape 1"/>
+          <p:cNvPr id="127" name="CustomShape 1"/>
           <p:cNvSpPr/>
           <p:nvPr/>
         </p:nvSpPr>
         <p:spPr>
           <a:xfrm>
             <a:off x="457200" y="188640"/>
-            <a:ext cx="8228880" cy="647280"/>
+            <a:ext cx="8228520" cy="646920"/>
           </a:xfrm>
           <a:prstGeom prst="rect">
             <a:avLst/>
@@ -4659,14 +4659,14 @@
       </p:sp>
       <p:sp>
         <p:nvSpPr>
-          <p:cNvPr id="127" name="CustomShape 2"/>
+          <p:cNvPr id="128" name="CustomShape 2"/>
           <p:cNvSpPr/>
           <p:nvPr/>
         </p:nvSpPr>
         <p:spPr>
           <a:xfrm>
             <a:off x="467640" y="1052640"/>
-            <a:ext cx="8208360" cy="5112000"/>
+            <a:ext cx="8208000" cy="5111640"/>
           </a:xfrm>
           <a:prstGeom prst="rect">
             <a:avLst/>
@@ -4720,7 +4720,7 @@
       </p:sp>
       <p:pic>
         <p:nvPicPr>
-          <p:cNvPr id="128" name="내용 개체 틀 6" descr=""/>
+          <p:cNvPr id="129" name="내용 개체 틀 6" descr=""/>
           <p:cNvPicPr/>
           <p:nvPr/>
         </p:nvPicPr>
@@ -4733,7 +4733,7 @@
         <p:spPr>
           <a:xfrm>
             <a:off x="611640" y="1914840"/>
-            <a:ext cx="8228880" cy="3961800"/>
+            <a:ext cx="8228520" cy="3961440"/>
           </a:xfrm>
           <a:prstGeom prst="rect">
             <a:avLst/>
@@ -4745,14 +4745,14 @@
       </p:pic>
       <p:sp>
         <p:nvSpPr>
-          <p:cNvPr id="129" name="CustomShape 3"/>
+          <p:cNvPr id="130" name="CustomShape 3"/>
           <p:cNvSpPr/>
           <p:nvPr/>
         </p:nvSpPr>
         <p:spPr>
           <a:xfrm>
             <a:off x="1324440" y="3932640"/>
-            <a:ext cx="1014840" cy="428040"/>
+            <a:ext cx="1014480" cy="427680"/>
           </a:xfrm>
           <a:prstGeom prst="rect">
             <a:avLst/>
@@ -4768,14 +4768,14 @@
       </p:sp>
       <p:sp>
         <p:nvSpPr>
-          <p:cNvPr id="130" name="CustomShape 4"/>
+          <p:cNvPr id="131" name="CustomShape 4"/>
           <p:cNvSpPr/>
           <p:nvPr/>
         </p:nvSpPr>
         <p:spPr>
           <a:xfrm>
             <a:off x="2627640" y="4236840"/>
-            <a:ext cx="1852920" cy="705960"/>
+            <a:ext cx="1852560" cy="705600"/>
           </a:xfrm>
           <a:prstGeom prst="wedgeRoundRectCallout">
             <a:avLst>
@@ -4917,14 +4917,14 @@
       </p:sp>
       <p:sp>
         <p:nvSpPr>
-          <p:cNvPr id="131" name="CustomShape 5"/>
+          <p:cNvPr id="132" name="CustomShape 5"/>
           <p:cNvSpPr/>
           <p:nvPr/>
         </p:nvSpPr>
         <p:spPr>
           <a:xfrm>
             <a:off x="1358640" y="2896920"/>
-            <a:ext cx="3571560" cy="204480"/>
+            <a:ext cx="3571200" cy="204120"/>
           </a:xfrm>
           <a:prstGeom prst="rect">
             <a:avLst/>
@@ -4940,14 +4940,14 @@
       </p:sp>
       <p:sp>
         <p:nvSpPr>
-          <p:cNvPr id="132" name="CustomShape 6"/>
+          <p:cNvPr id="133" name="CustomShape 6"/>
           <p:cNvSpPr/>
           <p:nvPr/>
         </p:nvSpPr>
         <p:spPr>
           <a:xfrm>
             <a:off x="5220000" y="2906640"/>
-            <a:ext cx="1999440" cy="302040"/>
+            <a:ext cx="1999080" cy="301680"/>
           </a:xfrm>
           <a:prstGeom prst="wedgeRoundRectCallout">
             <a:avLst>
@@ -5061,14 +5061,14 @@
       </p:grpSpPr>
       <p:sp>
         <p:nvSpPr>
-          <p:cNvPr id="133" name="CustomShape 1"/>
+          <p:cNvPr id="134" name="CustomShape 1"/>
           <p:cNvSpPr/>
           <p:nvPr/>
         </p:nvSpPr>
         <p:spPr>
           <a:xfrm>
             <a:off x="457200" y="188640"/>
-            <a:ext cx="8228880" cy="647280"/>
+            <a:ext cx="8228520" cy="646920"/>
           </a:xfrm>
           <a:prstGeom prst="rect">
             <a:avLst/>
@@ -5122,14 +5122,14 @@
       </p:sp>
       <p:sp>
         <p:nvSpPr>
-          <p:cNvPr id="134" name="CustomShape 2"/>
+          <p:cNvPr id="135" name="CustomShape 2"/>
           <p:cNvSpPr/>
           <p:nvPr/>
         </p:nvSpPr>
         <p:spPr>
           <a:xfrm>
             <a:off x="467640" y="1052640"/>
-            <a:ext cx="8208360" cy="5112000"/>
+            <a:ext cx="8208000" cy="5111640"/>
           </a:xfrm>
           <a:prstGeom prst="rect">
             <a:avLst/>
@@ -5213,7 +5213,7 @@
       </p:sp>
       <p:pic>
         <p:nvPicPr>
-          <p:cNvPr id="135" name="내용 개체 틀 10" descr=""/>
+          <p:cNvPr id="136" name="내용 개체 틀 10" descr=""/>
           <p:cNvPicPr/>
           <p:nvPr/>
         </p:nvPicPr>
@@ -5226,7 +5226,7 @@
         <p:spPr>
           <a:xfrm>
             <a:off x="590760" y="1917000"/>
-            <a:ext cx="8228880" cy="3939480"/>
+            <a:ext cx="8228520" cy="3939120"/>
           </a:xfrm>
           <a:prstGeom prst="rect">
             <a:avLst/>
@@ -5290,14 +5290,14 @@
       </p:grpSpPr>
       <p:sp>
         <p:nvSpPr>
-          <p:cNvPr id="136" name="CustomShape 1"/>
+          <p:cNvPr id="137" name="CustomShape 1"/>
           <p:cNvSpPr/>
           <p:nvPr/>
         </p:nvSpPr>
         <p:spPr>
           <a:xfrm>
             <a:off x="457200" y="188640"/>
-            <a:ext cx="8228880" cy="647280"/>
+            <a:ext cx="8228520" cy="646920"/>
           </a:xfrm>
           <a:prstGeom prst="rect">
             <a:avLst/>
@@ -5351,14 +5351,14 @@
       </p:sp>
       <p:sp>
         <p:nvSpPr>
-          <p:cNvPr id="137" name="CustomShape 2"/>
+          <p:cNvPr id="138" name="CustomShape 2"/>
           <p:cNvSpPr/>
           <p:nvPr/>
         </p:nvSpPr>
         <p:spPr>
           <a:xfrm>
             <a:off x="467640" y="1052640"/>
-            <a:ext cx="8208360" cy="5112000"/>
+            <a:ext cx="8208000" cy="5111640"/>
           </a:xfrm>
           <a:prstGeom prst="rect">
             <a:avLst/>
@@ -5422,7 +5422,7 @@
       </p:sp>
       <p:pic>
         <p:nvPicPr>
-          <p:cNvPr id="138" name="그림 3" descr=""/>
+          <p:cNvPr id="139" name="그림 3" descr=""/>
           <p:cNvPicPr/>
           <p:nvPr/>
         </p:nvPicPr>
@@ -5435,7 +5435,7 @@
         <p:spPr>
           <a:xfrm>
             <a:off x="683640" y="2122920"/>
-            <a:ext cx="7857360" cy="3825720"/>
+            <a:ext cx="7857000" cy="3825360"/>
           </a:xfrm>
           <a:prstGeom prst="rect">
             <a:avLst/>
@@ -5499,14 +5499,14 @@
       </p:grpSpPr>
       <p:sp>
         <p:nvSpPr>
-          <p:cNvPr id="139" name="CustomShape 1"/>
+          <p:cNvPr id="140" name="CustomShape 1"/>
           <p:cNvSpPr/>
           <p:nvPr/>
         </p:nvSpPr>
         <p:spPr>
           <a:xfrm>
             <a:off x="457200" y="188640"/>
-            <a:ext cx="8228880" cy="647280"/>
+            <a:ext cx="8228520" cy="646920"/>
           </a:xfrm>
           <a:prstGeom prst="rect">
             <a:avLst/>
@@ -5560,14 +5560,14 @@
       </p:sp>
       <p:sp>
         <p:nvSpPr>
-          <p:cNvPr id="140" name="CustomShape 2"/>
+          <p:cNvPr id="141" name="CustomShape 2"/>
           <p:cNvSpPr/>
           <p:nvPr/>
         </p:nvSpPr>
         <p:spPr>
           <a:xfrm>
             <a:off x="467640" y="1052640"/>
-            <a:ext cx="8208360" cy="5112000"/>
+            <a:ext cx="8208000" cy="5111640"/>
           </a:xfrm>
           <a:prstGeom prst="rect">
             <a:avLst/>
@@ -5633,7 +5633,7 @@
       </p:sp>
       <p:pic>
         <p:nvPicPr>
-          <p:cNvPr id="141" name="그림 4" descr=""/>
+          <p:cNvPr id="142" name="그림 4" descr=""/>
           <p:cNvPicPr/>
           <p:nvPr/>
         </p:nvPicPr>
@@ -5646,7 +5646,7 @@
         <p:spPr>
           <a:xfrm>
             <a:off x="1316880" y="2288160"/>
-            <a:ext cx="7255080" cy="3516120"/>
+            <a:ext cx="7254720" cy="3515760"/>
           </a:xfrm>
           <a:prstGeom prst="rect">
             <a:avLst/>
@@ -5710,14 +5710,14 @@
       </p:grpSpPr>
       <p:sp>
         <p:nvSpPr>
-          <p:cNvPr id="142" name="CustomShape 1"/>
+          <p:cNvPr id="143" name="CustomShape 1"/>
           <p:cNvSpPr/>
           <p:nvPr/>
         </p:nvSpPr>
         <p:spPr>
           <a:xfrm>
             <a:off x="457200" y="188640"/>
-            <a:ext cx="8228880" cy="647280"/>
+            <a:ext cx="8228520" cy="646920"/>
           </a:xfrm>
           <a:prstGeom prst="rect">
             <a:avLst/>
@@ -5771,14 +5771,14 @@
       </p:sp>
       <p:sp>
         <p:nvSpPr>
-          <p:cNvPr id="143" name="CustomShape 2"/>
+          <p:cNvPr id="144" name="CustomShape 2"/>
           <p:cNvSpPr/>
           <p:nvPr/>
         </p:nvSpPr>
         <p:spPr>
           <a:xfrm>
             <a:off x="467640" y="1052640"/>
-            <a:ext cx="8208360" cy="5112000"/>
+            <a:ext cx="8208000" cy="5111640"/>
           </a:xfrm>
           <a:prstGeom prst="rect">
             <a:avLst/>
@@ -5916,7 +5916,7 @@
       </p:sp>
       <p:pic>
         <p:nvPicPr>
-          <p:cNvPr id="144" name="" descr=""/>
+          <p:cNvPr id="145" name="" descr=""/>
           <p:cNvPicPr/>
           <p:nvPr/>
         </p:nvPicPr>
@@ -5929,7 +5929,7 @@
         <p:spPr>
           <a:xfrm>
             <a:off x="2286000" y="3108960"/>
-            <a:ext cx="6262560" cy="3254760"/>
+            <a:ext cx="6262200" cy="3254400"/>
           </a:xfrm>
           <a:prstGeom prst="rect">
             <a:avLst/>
@@ -5993,14 +5993,14 @@
       </p:grpSpPr>
       <p:sp>
         <p:nvSpPr>
-          <p:cNvPr id="145" name="CustomShape 1"/>
+          <p:cNvPr id="146" name="CustomShape 1"/>
           <p:cNvSpPr/>
           <p:nvPr/>
         </p:nvSpPr>
         <p:spPr>
           <a:xfrm>
             <a:off x="457200" y="188640"/>
-            <a:ext cx="8228880" cy="647280"/>
+            <a:ext cx="8228520" cy="646920"/>
           </a:xfrm>
           <a:prstGeom prst="rect">
             <a:avLst/>
@@ -6054,14 +6054,14 @@
       </p:sp>
       <p:sp>
         <p:nvSpPr>
-          <p:cNvPr id="146" name="CustomShape 2"/>
+          <p:cNvPr id="147" name="CustomShape 2"/>
           <p:cNvSpPr/>
           <p:nvPr/>
         </p:nvSpPr>
         <p:spPr>
           <a:xfrm>
             <a:off x="467640" y="1052640"/>
-            <a:ext cx="8208360" cy="5112000"/>
+            <a:ext cx="8208000" cy="5111640"/>
           </a:xfrm>
           <a:prstGeom prst="rect">
             <a:avLst/>
@@ -6178,7 +6178,7 @@
       </p:sp>
       <p:pic>
         <p:nvPicPr>
-          <p:cNvPr id="147" name="" descr=""/>
+          <p:cNvPr id="148" name="" descr=""/>
           <p:cNvPicPr/>
           <p:nvPr/>
         </p:nvPicPr>
@@ -6191,7 +6191,7 @@
         <p:spPr>
           <a:xfrm>
             <a:off x="1188720" y="3003120"/>
-            <a:ext cx="7199280" cy="2574360"/>
+            <a:ext cx="7198920" cy="2574000"/>
           </a:xfrm>
           <a:prstGeom prst="rect">
             <a:avLst/>
@@ -6203,14 +6203,14 @@
       </p:pic>
       <p:sp>
         <p:nvSpPr>
-          <p:cNvPr id="148" name="CustomShape 3"/>
+          <p:cNvPr id="149" name="CustomShape 3"/>
           <p:cNvSpPr/>
           <p:nvPr/>
         </p:nvSpPr>
         <p:spPr>
           <a:xfrm>
             <a:off x="1199520" y="4242240"/>
-            <a:ext cx="7121160" cy="273960"/>
+            <a:ext cx="7120800" cy="273600"/>
           </a:xfrm>
           <a:prstGeom prst="rect">
             <a:avLst/>
@@ -6278,14 +6278,14 @@
       </p:grpSpPr>
       <p:sp>
         <p:nvSpPr>
-          <p:cNvPr id="149" name="CustomShape 1"/>
+          <p:cNvPr id="150" name="CustomShape 1"/>
           <p:cNvSpPr/>
           <p:nvPr/>
         </p:nvSpPr>
         <p:spPr>
           <a:xfrm>
             <a:off x="457200" y="188640"/>
-            <a:ext cx="8228880" cy="647280"/>
+            <a:ext cx="8228520" cy="646920"/>
           </a:xfrm>
           <a:prstGeom prst="rect">
             <a:avLst/>
@@ -6339,14 +6339,14 @@
       </p:sp>
       <p:sp>
         <p:nvSpPr>
-          <p:cNvPr id="150" name="CustomShape 2"/>
+          <p:cNvPr id="151" name="CustomShape 2"/>
           <p:cNvSpPr/>
           <p:nvPr/>
         </p:nvSpPr>
         <p:spPr>
           <a:xfrm>
             <a:off x="467640" y="1052640"/>
-            <a:ext cx="8208360" cy="5112000"/>
+            <a:ext cx="8208000" cy="5111640"/>
           </a:xfrm>
           <a:prstGeom prst="rect">
             <a:avLst/>
@@ -6392,7 +6392,7 @@
       </p:sp>
       <p:pic>
         <p:nvPicPr>
-          <p:cNvPr id="151" name="그림 6" descr=""/>
+          <p:cNvPr id="152" name="그림 6" descr=""/>
           <p:cNvPicPr/>
           <p:nvPr/>
         </p:nvPicPr>
@@ -6405,7 +6405,7 @@
         <p:spPr>
           <a:xfrm>
             <a:off x="484560" y="1804320"/>
-            <a:ext cx="8229960" cy="4000320"/>
+            <a:ext cx="8229600" cy="3999960"/>
           </a:xfrm>
           <a:prstGeom prst="rect">
             <a:avLst/>
@@ -6417,14 +6417,14 @@
       </p:pic>
       <p:sp>
         <p:nvSpPr>
-          <p:cNvPr id="152" name="CustomShape 3"/>
+          <p:cNvPr id="153" name="CustomShape 3"/>
           <p:cNvSpPr/>
           <p:nvPr/>
         </p:nvSpPr>
         <p:spPr>
           <a:xfrm>
             <a:off x="484560" y="5373360"/>
-            <a:ext cx="999360" cy="570960"/>
+            <a:ext cx="999000" cy="570600"/>
           </a:xfrm>
           <a:prstGeom prst="rect">
             <a:avLst/>
@@ -6439,14 +6439,14 @@
       </p:sp>
       <p:sp>
         <p:nvSpPr>
-          <p:cNvPr id="153" name="CustomShape 4"/>
+          <p:cNvPr id="154" name="CustomShape 4"/>
           <p:cNvSpPr/>
           <p:nvPr/>
         </p:nvSpPr>
         <p:spPr>
           <a:xfrm>
             <a:off x="2558520" y="1196640"/>
-            <a:ext cx="530640" cy="454320"/>
+            <a:ext cx="530280" cy="453960"/>
           </a:xfrm>
           <a:prstGeom prst="rect">
             <a:avLst/>
@@ -6539,7 +6539,7 @@
         <p:spPr>
           <a:xfrm>
             <a:off x="457200" y="188640"/>
-            <a:ext cx="8228880" cy="647280"/>
+            <a:ext cx="8228520" cy="646920"/>
           </a:xfrm>
           <a:prstGeom prst="rect">
             <a:avLst/>
@@ -6580,7 +6580,7 @@
         <p:spPr>
           <a:xfrm>
             <a:off x="467640" y="1052640"/>
-            <a:ext cx="8208360" cy="5112000"/>
+            <a:ext cx="8208000" cy="5111640"/>
           </a:xfrm>
           <a:prstGeom prst="rect">
             <a:avLst/>
@@ -6888,14 +6888,14 @@
       </p:grpSpPr>
       <p:sp>
         <p:nvSpPr>
-          <p:cNvPr id="154" name="CustomShape 1"/>
+          <p:cNvPr id="155" name="CustomShape 1"/>
           <p:cNvSpPr/>
           <p:nvPr/>
         </p:nvSpPr>
         <p:spPr>
           <a:xfrm>
             <a:off x="457200" y="188640"/>
-            <a:ext cx="8228880" cy="647280"/>
+            <a:ext cx="8228520" cy="646920"/>
           </a:xfrm>
           <a:prstGeom prst="rect">
             <a:avLst/>
@@ -6949,14 +6949,14 @@
       </p:sp>
       <p:sp>
         <p:nvSpPr>
-          <p:cNvPr id="155" name="CustomShape 2"/>
+          <p:cNvPr id="156" name="CustomShape 2"/>
           <p:cNvSpPr/>
           <p:nvPr/>
         </p:nvSpPr>
         <p:spPr>
           <a:xfrm>
             <a:off x="467640" y="1052640"/>
-            <a:ext cx="8208360" cy="5112000"/>
+            <a:ext cx="8208000" cy="5111640"/>
           </a:xfrm>
           <a:prstGeom prst="rect">
             <a:avLst/>
@@ -6992,7 +6992,7 @@
       </p:sp>
       <p:pic>
         <p:nvPicPr>
-          <p:cNvPr id="156" name="그림 5" descr=""/>
+          <p:cNvPr id="157" name="그림 5" descr=""/>
           <p:cNvPicPr/>
           <p:nvPr/>
         </p:nvPicPr>
@@ -7005,7 +7005,7 @@
         <p:spPr>
           <a:xfrm>
             <a:off x="857160" y="1728360"/>
-            <a:ext cx="7929000" cy="3860280"/>
+            <a:ext cx="7928640" cy="3859920"/>
           </a:xfrm>
           <a:prstGeom prst="rect">
             <a:avLst/>
@@ -7017,14 +7017,14 @@
       </p:pic>
       <p:sp>
         <p:nvSpPr>
-          <p:cNvPr id="157" name="CustomShape 3"/>
+          <p:cNvPr id="158" name="CustomShape 3"/>
           <p:cNvSpPr/>
           <p:nvPr/>
         </p:nvSpPr>
         <p:spPr>
           <a:xfrm>
             <a:off x="3014280" y="5157360"/>
-            <a:ext cx="1213560" cy="213480"/>
+            <a:ext cx="1213200" cy="213120"/>
           </a:xfrm>
           <a:prstGeom prst="rect">
             <a:avLst/>
@@ -7040,14 +7040,14 @@
       </p:sp>
       <p:sp>
         <p:nvSpPr>
-          <p:cNvPr id="158" name="CustomShape 4"/>
+          <p:cNvPr id="159" name="CustomShape 4"/>
           <p:cNvSpPr/>
           <p:nvPr/>
         </p:nvSpPr>
         <p:spPr>
           <a:xfrm>
             <a:off x="3924000" y="4636080"/>
-            <a:ext cx="2428200" cy="455040"/>
+            <a:ext cx="2427840" cy="454680"/>
           </a:xfrm>
           <a:prstGeom prst="rect">
             <a:avLst/>
@@ -7195,14 +7195,14 @@
       </p:grpSpPr>
       <p:sp>
         <p:nvSpPr>
-          <p:cNvPr id="159" name="CustomShape 1"/>
+          <p:cNvPr id="160" name="CustomShape 1"/>
           <p:cNvSpPr/>
           <p:nvPr/>
         </p:nvSpPr>
         <p:spPr>
           <a:xfrm>
             <a:off x="457200" y="188640"/>
-            <a:ext cx="8228880" cy="647280"/>
+            <a:ext cx="8228520" cy="646920"/>
           </a:xfrm>
           <a:prstGeom prst="rect">
             <a:avLst/>
@@ -7246,14 +7246,14 @@
       </p:sp>
       <p:sp>
         <p:nvSpPr>
-          <p:cNvPr id="160" name="CustomShape 2"/>
+          <p:cNvPr id="161" name="CustomShape 2"/>
           <p:cNvSpPr/>
           <p:nvPr/>
         </p:nvSpPr>
         <p:spPr>
           <a:xfrm>
             <a:off x="467640" y="1052640"/>
-            <a:ext cx="8208360" cy="5112000"/>
+            <a:ext cx="8208000" cy="5111640"/>
           </a:xfrm>
           <a:prstGeom prst="rect">
             <a:avLst/>
@@ -7531,14 +7531,14 @@
       </p:grpSpPr>
       <p:sp>
         <p:nvSpPr>
-          <p:cNvPr id="161" name="CustomShape 1"/>
+          <p:cNvPr id="162" name="CustomShape 1"/>
           <p:cNvSpPr/>
           <p:nvPr/>
         </p:nvSpPr>
         <p:spPr>
           <a:xfrm>
             <a:off x="457200" y="188640"/>
-            <a:ext cx="8228880" cy="647280"/>
+            <a:ext cx="8228520" cy="646920"/>
           </a:xfrm>
           <a:prstGeom prst="rect">
             <a:avLst/>
@@ -7582,14 +7582,14 @@
       </p:sp>
       <p:sp>
         <p:nvSpPr>
-          <p:cNvPr id="162" name="CustomShape 2"/>
+          <p:cNvPr id="163" name="CustomShape 2"/>
           <p:cNvSpPr/>
           <p:nvPr/>
         </p:nvSpPr>
         <p:spPr>
           <a:xfrm>
             <a:off x="467640" y="1052640"/>
-            <a:ext cx="8208360" cy="5112000"/>
+            <a:ext cx="8208000" cy="5111640"/>
           </a:xfrm>
           <a:prstGeom prst="rect">
             <a:avLst/>
@@ -7875,14 +7875,14 @@
       </p:grpSpPr>
       <p:sp>
         <p:nvSpPr>
-          <p:cNvPr id="163" name="CustomShape 1"/>
+          <p:cNvPr id="164" name="CustomShape 1"/>
           <p:cNvSpPr/>
           <p:nvPr/>
         </p:nvSpPr>
         <p:spPr>
           <a:xfrm>
             <a:off x="457200" y="188640"/>
-            <a:ext cx="8228880" cy="647280"/>
+            <a:ext cx="8228520" cy="646920"/>
           </a:xfrm>
           <a:prstGeom prst="rect">
             <a:avLst/>
@@ -7916,14 +7916,14 @@
       </p:sp>
       <p:sp>
         <p:nvSpPr>
-          <p:cNvPr id="164" name="CustomShape 2"/>
+          <p:cNvPr id="165" name="CustomShape 2"/>
           <p:cNvSpPr/>
           <p:nvPr/>
         </p:nvSpPr>
         <p:spPr>
           <a:xfrm>
             <a:off x="467640" y="1052640"/>
-            <a:ext cx="8208360" cy="5112000"/>
+            <a:ext cx="8208000" cy="5111640"/>
           </a:xfrm>
           <a:prstGeom prst="rect">
             <a:avLst/>
@@ -7988,14 +7988,14 @@
       </p:grpSpPr>
       <p:sp>
         <p:nvSpPr>
-          <p:cNvPr id="165" name="CustomShape 1"/>
+          <p:cNvPr id="166" name="CustomShape 1"/>
           <p:cNvSpPr/>
           <p:nvPr/>
         </p:nvSpPr>
         <p:spPr>
           <a:xfrm>
             <a:off x="457200" y="188640"/>
-            <a:ext cx="8228880" cy="647280"/>
+            <a:ext cx="8228520" cy="646920"/>
           </a:xfrm>
           <a:prstGeom prst="rect">
             <a:avLst/>
@@ -8029,14 +8029,14 @@
       </p:sp>
       <p:sp>
         <p:nvSpPr>
-          <p:cNvPr id="166" name="CustomShape 2"/>
+          <p:cNvPr id="167" name="CustomShape 2"/>
           <p:cNvSpPr/>
           <p:nvPr/>
         </p:nvSpPr>
         <p:spPr>
           <a:xfrm>
             <a:off x="467640" y="1052640"/>
-            <a:ext cx="8208360" cy="5112000"/>
+            <a:ext cx="8208000" cy="5111640"/>
           </a:xfrm>
           <a:prstGeom prst="rect">
             <a:avLst/>
@@ -8049,26 +8049,33 @@
       </p:sp>
       <p:sp>
         <p:nvSpPr>
-          <p:cNvPr id="167" name="TextShape 3"/>
-          <p:cNvSpPr txBox="1"/>
+          <p:cNvPr id="168" name="CustomShape 3"/>
+          <p:cNvSpPr/>
           <p:nvPr/>
         </p:nvSpPr>
         <p:spPr>
           <a:xfrm>
             <a:off x="365760" y="2471760"/>
-            <a:ext cx="8503920" cy="2138040"/>
-          </a:xfrm>
-          <a:prstGeom prst="rect">
-            <a:avLst/>
-          </a:prstGeom>
+            <a:ext cx="8503560" cy="2137680"/>
+          </a:xfrm>
+          <a:prstGeom prst="rect">
+            <a:avLst/>
+          </a:prstGeom>
+          <a:noFill/>
+          <a:ln>
+            <a:noFill/>
+          </a:ln>
         </p:spPr>
         <p:txBody>
           <a:bodyPr lIns="90000" rIns="90000" tIns="45000" bIns="45000"/>
           <a:p>
             <a:pPr algn="ctr">
+              <a:lnSpc>
+                <a:spcPct val="100000"/>
+              </a:lnSpc>
               <a:buSzPct val="45000"/>
               <a:buFont typeface="StarSymbol"/>
-              <a:buChar char=""/>
+              <a:buChar char="l"/>
             </a:pPr>
             <a:r>
               <a:rPr lang="en-US" sz="3600">
@@ -8080,9 +8087,12 @@
           </a:p>
           <a:p>
             <a:pPr algn="ctr">
+              <a:lnSpc>
+                <a:spcPct val="100000"/>
+              </a:lnSpc>
               <a:buSzPct val="45000"/>
               <a:buFont typeface="StarSymbol"/>
-              <a:buChar char=""/>
+              <a:buChar char="l"/>
             </a:pPr>
             <a:r>
               <a:rPr lang="en-US" sz="3600">
@@ -8094,9 +8104,12 @@
           </a:p>
           <a:p>
             <a:pPr algn="ctr">
+              <a:lnSpc>
+                <a:spcPct val="100000"/>
+              </a:lnSpc>
               <a:buSzPct val="45000"/>
               <a:buFont typeface="StarSymbol"/>
-              <a:buChar char=""/>
+              <a:buChar char="l"/>
             </a:pPr>
             <a:r>
               <a:rPr lang="en-US" sz="3600">
@@ -8162,14 +8175,14 @@
       </p:grpSpPr>
       <p:sp>
         <p:nvSpPr>
-          <p:cNvPr id="168" name="CustomShape 1"/>
+          <p:cNvPr id="169" name="CustomShape 1"/>
           <p:cNvSpPr/>
           <p:nvPr/>
         </p:nvSpPr>
         <p:spPr>
           <a:xfrm>
             <a:off x="457200" y="188640"/>
-            <a:ext cx="8228880" cy="647280"/>
+            <a:ext cx="8228520" cy="646920"/>
           </a:xfrm>
           <a:prstGeom prst="rect">
             <a:avLst/>
@@ -8203,14 +8216,14 @@
       </p:sp>
       <p:sp>
         <p:nvSpPr>
-          <p:cNvPr id="169" name="CustomShape 2"/>
+          <p:cNvPr id="170" name="CustomShape 2"/>
           <p:cNvSpPr/>
           <p:nvPr/>
         </p:nvSpPr>
         <p:spPr>
           <a:xfrm>
             <a:off x="467640" y="1052640"/>
-            <a:ext cx="8208360" cy="5112000"/>
+            <a:ext cx="8208000" cy="5111640"/>
           </a:xfrm>
           <a:prstGeom prst="rect">
             <a:avLst/>
@@ -8465,7 +8478,7 @@
         <p:spPr>
           <a:xfrm>
             <a:off x="457200" y="188640"/>
-            <a:ext cx="8228880" cy="647280"/>
+            <a:ext cx="8228520" cy="646920"/>
           </a:xfrm>
           <a:prstGeom prst="rect">
             <a:avLst/>
@@ -8506,7 +8519,7 @@
         <p:spPr>
           <a:xfrm>
             <a:off x="467640" y="1052640"/>
-            <a:ext cx="8208360" cy="5112000"/>
+            <a:ext cx="8208000" cy="5111640"/>
           </a:xfrm>
           <a:prstGeom prst="rect">
             <a:avLst/>
@@ -8935,7 +8948,7 @@
         <p:spPr>
           <a:xfrm>
             <a:off x="7535880" y="980280"/>
-            <a:ext cx="1428120" cy="1151640"/>
+            <a:ext cx="1427760" cy="1151280"/>
           </a:xfrm>
           <a:prstGeom prst="rect">
             <a:avLst/>
@@ -8960,7 +8973,7 @@
         <p:spPr>
           <a:xfrm>
             <a:off x="7715160" y="3143160"/>
-            <a:ext cx="1071000" cy="1071000"/>
+            <a:ext cx="1070640" cy="1070640"/>
           </a:xfrm>
           <a:prstGeom prst="rect">
             <a:avLst/>
@@ -8979,7 +8992,7 @@
         <p:spPr>
           <a:xfrm>
             <a:off x="3128040" y="2144880"/>
-            <a:ext cx="532080" cy="454320"/>
+            <a:ext cx="531720" cy="453960"/>
           </a:xfrm>
           <a:prstGeom prst="rect">
             <a:avLst/>
@@ -9020,7 +9033,7 @@
         <p:spPr>
           <a:xfrm>
             <a:off x="3283560" y="4627440"/>
-            <a:ext cx="487440" cy="454320"/>
+            <a:ext cx="487080" cy="453960"/>
           </a:xfrm>
           <a:prstGeom prst="rect">
             <a:avLst/>
@@ -9113,7 +9126,7 @@
         <p:spPr>
           <a:xfrm>
             <a:off x="457200" y="188640"/>
-            <a:ext cx="8228880" cy="647280"/>
+            <a:ext cx="8228520" cy="646920"/>
           </a:xfrm>
           <a:prstGeom prst="rect">
             <a:avLst/>
@@ -9160,7 +9173,7 @@
         <p:spPr>
           <a:xfrm>
             <a:off x="1357200" y="1340640"/>
-            <a:ext cx="6571440" cy="4948200"/>
+            <a:ext cx="6571080" cy="4947840"/>
           </a:xfrm>
           <a:prstGeom prst="rect">
             <a:avLst/>
@@ -9231,7 +9244,7 @@
         <p:spPr>
           <a:xfrm>
             <a:off x="457200" y="188640"/>
-            <a:ext cx="8228880" cy="647280"/>
+            <a:ext cx="8228520" cy="646920"/>
           </a:xfrm>
           <a:prstGeom prst="rect">
             <a:avLst/>
@@ -9282,7 +9295,7 @@
         <p:spPr>
           <a:xfrm>
             <a:off x="467640" y="1052640"/>
-            <a:ext cx="8208360" cy="5112000"/>
+            <a:ext cx="8208000" cy="5111640"/>
           </a:xfrm>
           <a:prstGeom prst="rect">
             <a:avLst/>
@@ -9485,7 +9498,7 @@
         <p:spPr>
           <a:xfrm>
             <a:off x="2191680" y="1956600"/>
-            <a:ext cx="462600" cy="454320"/>
+            <a:ext cx="462240" cy="453960"/>
           </a:xfrm>
           <a:prstGeom prst="rect">
             <a:avLst/>
@@ -9526,7 +9539,7 @@
         <p:spPr>
           <a:xfrm>
             <a:off x="1799640" y="1196640"/>
-            <a:ext cx="450000" cy="454320"/>
+            <a:ext cx="449640" cy="453960"/>
           </a:xfrm>
           <a:prstGeom prst="rect">
             <a:avLst/>
@@ -9619,7 +9632,7 @@
         <p:spPr>
           <a:xfrm>
             <a:off x="457200" y="188640"/>
-            <a:ext cx="8228880" cy="647280"/>
+            <a:ext cx="8228520" cy="646920"/>
           </a:xfrm>
           <a:prstGeom prst="rect">
             <a:avLst/>
@@ -9660,7 +9673,7 @@
         <p:spPr>
           <a:xfrm>
             <a:off x="467640" y="1052640"/>
-            <a:ext cx="8208360" cy="5112000"/>
+            <a:ext cx="8208000" cy="5111640"/>
           </a:xfrm>
           <a:prstGeom prst="rect">
             <a:avLst/>
@@ -9993,7 +10006,7 @@
         <p:spPr>
           <a:xfrm>
             <a:off x="457200" y="188640"/>
-            <a:ext cx="8228880" cy="647280"/>
+            <a:ext cx="8228520" cy="646920"/>
           </a:xfrm>
           <a:prstGeom prst="rect">
             <a:avLst/>
@@ -10044,7 +10057,7 @@
         <p:spPr>
           <a:xfrm>
             <a:off x="467640" y="1052640"/>
-            <a:ext cx="8208360" cy="5112000"/>
+            <a:ext cx="8208000" cy="5111640"/>
           </a:xfrm>
           <a:prstGeom prst="rect">
             <a:avLst/>
@@ -10247,7 +10260,7 @@
         <p:spPr>
           <a:xfrm>
             <a:off x="1051560" y="2683080"/>
-            <a:ext cx="599760" cy="454320"/>
+            <a:ext cx="599400" cy="453960"/>
           </a:xfrm>
           <a:prstGeom prst="rect">
             <a:avLst/>
@@ -10340,7 +10353,7 @@
         <p:spPr>
           <a:xfrm>
             <a:off x="457200" y="188640"/>
-            <a:ext cx="8228880" cy="647280"/>
+            <a:ext cx="8228520" cy="646920"/>
           </a:xfrm>
           <a:prstGeom prst="rect">
             <a:avLst/>
@@ -10391,7 +10404,7 @@
         <p:spPr>
           <a:xfrm>
             <a:off x="467640" y="1052640"/>
-            <a:ext cx="8208360" cy="5112000"/>
+            <a:ext cx="8208000" cy="5111640"/>
           </a:xfrm>
           <a:prstGeom prst="rect">
             <a:avLst/>
@@ -10566,7 +10579,7 @@
         <p:spPr>
           <a:xfrm>
             <a:off x="457200" y="188640"/>
-            <a:ext cx="8228880" cy="647280"/>
+            <a:ext cx="8228520" cy="646920"/>
           </a:xfrm>
           <a:prstGeom prst="rect">
             <a:avLst/>
@@ -10617,7 +10630,7 @@
         <p:spPr>
           <a:xfrm>
             <a:off x="467640" y="1052640"/>
-            <a:ext cx="8208360" cy="5112000"/>
+            <a:ext cx="8208000" cy="5111640"/>
           </a:xfrm>
           <a:prstGeom prst="rect">
             <a:avLst/>
@@ -10627,6 +10640,165 @@
             <a:noFill/>
           </a:ln>
         </p:spPr>
+      </p:sp>
+      <p:sp>
+        <p:nvSpPr>
+          <p:cNvPr id="107" name="TextShape 3"/>
+          <p:cNvSpPr txBox="1"/>
+          <p:nvPr/>
+        </p:nvSpPr>
+        <p:spPr>
+          <a:xfrm>
+            <a:off x="457200" y="1280160"/>
+            <a:ext cx="8229240" cy="4301640"/>
+          </a:xfrm>
+          <a:prstGeom prst="rect">
+            <a:avLst/>
+          </a:prstGeom>
+        </p:spPr>
+        <p:txBody>
+          <a:bodyPr lIns="0" rIns="0" tIns="0" bIns="0"/>
+          <a:p>
+            <a:pPr>
+              <a:buSzPct val="45000"/>
+              <a:buFont typeface="StarSymbol"/>
+              <a:buChar char=""/>
+            </a:pPr>
+            <a:r>
+              <a:rPr lang="en-US" sz="3200">
+                <a:latin typeface="Arial"/>
+              </a:rPr>
+              <a:t>Patch</a:t>
+            </a:r>
+            <a:r>
+              <a:rPr lang="en-US" sz="3200">
+                <a:latin typeface="Arial"/>
+              </a:rPr>
+              <a:t>를 올리기 전 </a:t>
+            </a:r>
+            <a:r>
+              <a:rPr lang="en-US" sz="3200">
+                <a:latin typeface="Arial"/>
+              </a:rPr>
+              <a:t>Regression </a:t>
+            </a:r>
+            <a:r>
+              <a:rPr lang="en-US" sz="3200">
+                <a:latin typeface="Arial"/>
+              </a:rPr>
+              <a:t>검증을 위해 </a:t>
+            </a:r>
+            <a:r>
+              <a:rPr lang="en-US" sz="3200">
+                <a:latin typeface="Arial"/>
+              </a:rPr>
+              <a:t>Layout Test</a:t>
+            </a:r>
+            <a:r>
+              <a:rPr lang="en-US" sz="3200">
+                <a:latin typeface="Arial"/>
+              </a:rPr>
+              <a:t>를 수행하여야 함</a:t>
+            </a:r>
+            <a:endParaRPr/>
+          </a:p>
+          <a:p>
+            <a:pPr>
+              <a:buSzPct val="45000"/>
+              <a:buFont typeface="StarSymbol"/>
+              <a:buChar char=""/>
+            </a:pPr>
+            <a:r>
+              <a:rPr lang="en-US" sz="3200">
+                <a:latin typeface="Arial"/>
+              </a:rPr>
+              <a:t>– </a:t>
+            </a:r>
+            <a:r>
+              <a:rPr lang="en-US" sz="3200">
+                <a:latin typeface="Arial"/>
+              </a:rPr>
+              <a:t>WebKit</a:t>
+            </a:r>
+            <a:endParaRPr/>
+          </a:p>
+          <a:p>
+            <a:pPr lvl="1">
+              <a:buSzPct val="75000"/>
+              <a:buFont typeface="StarSymbol"/>
+              <a:buChar char=""/>
+            </a:pPr>
+            <a:r>
+              <a:rPr lang="en-US" sz="2800">
+                <a:latin typeface="Arial"/>
+              </a:rPr>
+              <a:t>* Tools/Script/run-webkit-test –platform=mac/gtk/efl</a:t>
+            </a:r>
+            <a:endParaRPr/>
+          </a:p>
+          <a:p>
+            <a:pPr>
+              <a:buSzPct val="45000"/>
+              <a:buFont typeface="StarSymbol"/>
+              <a:buChar char=""/>
+            </a:pPr>
+            <a:r>
+              <a:rPr lang="en-US" sz="3200">
+                <a:latin typeface="Arial"/>
+              </a:rPr>
+              <a:t>– </a:t>
+            </a:r>
+            <a:r>
+              <a:rPr lang="en-US" sz="3200">
+                <a:latin typeface="Arial"/>
+              </a:rPr>
+              <a:t>Chromium</a:t>
+            </a:r>
+            <a:endParaRPr/>
+          </a:p>
+          <a:p>
+            <a:pPr lvl="1">
+              <a:buSzPct val="75000"/>
+              <a:buFont typeface="StarSymbol"/>
+              <a:buChar char=""/>
+            </a:pPr>
+            <a:r>
+              <a:rPr lang="en-US" sz="2800">
+                <a:latin typeface="Arial"/>
+              </a:rPr>
+              <a:t>* Linux/Mac: Tools/Scripts/run-webkit-tests</a:t>
+            </a:r>
+            <a:endParaRPr/>
+          </a:p>
+          <a:p>
+            <a:pPr lvl="1">
+              <a:buSzPct val="75000"/>
+              <a:buFont typeface="StarSymbol"/>
+              <a:buChar char=""/>
+            </a:pPr>
+            <a:r>
+              <a:rPr lang="en-US" sz="2800">
+                <a:latin typeface="Arial"/>
+              </a:rPr>
+              <a:t>* Window: python Tools/Scripts/run-webkit-tests</a:t>
+            </a:r>
+            <a:endParaRPr/>
+          </a:p>
+          <a:p>
+            <a:pPr lvl="1">
+              <a:buSzPct val="75000"/>
+              <a:buFont typeface="StarSymbol"/>
+              <a:buChar char=""/>
+            </a:pPr>
+            <a:r>
+              <a:rPr lang="en-US" sz="2800">
+                <a:latin typeface="Arial"/>
+              </a:rPr>
+              <a:t>* Android: Tools/Scripts/run-webkit-tests –android</a:t>
+            </a:r>
+            <a:endParaRPr/>
+          </a:p>
+        </p:txBody>
       </p:sp>
     </p:spTree>
   </p:cSld>
